--- a/Scala_Final_Project.pptx
+++ b/Scala_Final_Project.pptx
@@ -6943,8 +6943,8 @@
         </p:nvSpPr>
         <p:spPr>
           <a:xfrm>
-            <a:off x="536929" y="942037"/>
-            <a:ext cx="9289459" cy="5909310"/>
+            <a:off x="646110" y="750969"/>
+            <a:ext cx="9289459" cy="6370975"/>
           </a:xfrm>
           <a:prstGeom prst="rect">
             <a:avLst/>
@@ -6956,6 +6956,43 @@
             <a:spAutoFit/>
           </a:bodyPr>
           <a:lstStyle/>
+          <a:p>
+            <a:pPr marL="285750" indent="-285750">
+              <a:lnSpc>
+                <a:spcPct val="150000"/>
+              </a:lnSpc>
+              <a:buFont typeface="Arial" charset="0"/>
+              <a:buChar char="•"/>
+            </a:pPr>
+            <a:r>
+              <a:rPr lang="en-US" sz="2000" dirty="0"/>
+              <a:t>Code Repo: https://</a:t>
+            </a:r>
+            <a:r>
+              <a:rPr lang="en-US" sz="2000" dirty="0" err="1"/>
+              <a:t>github.com</a:t>
+            </a:r>
+            <a:r>
+              <a:rPr lang="en-US" sz="2000" dirty="0"/>
+              <a:t>/</a:t>
+            </a:r>
+            <a:r>
+              <a:rPr lang="en-US" sz="2000" dirty="0" err="1"/>
+              <a:t>saravanvadivel</a:t>
+            </a:r>
+            <a:r>
+              <a:rPr lang="en-US" sz="2000" dirty="0"/>
+              <a:t>/</a:t>
+            </a:r>
+            <a:r>
+              <a:rPr lang="en-US" sz="2000" dirty="0" err="1"/>
+              <a:t>ScalaFinalProject</a:t>
+            </a:r>
+            <a:r>
+              <a:rPr lang="en-US" sz="2000" dirty="0"/>
+              <a:t> </a:t>
+            </a:r>
+          </a:p>
           <a:p>
             <a:pPr marL="285750" indent="-285750">
               <a:lnSpc>
@@ -7476,11 +7513,7 @@
             </a:pPr>
             <a:r>
               <a:rPr lang="en-US" sz="2000" dirty="0" smtClean="0"/>
-              <a:t>Deploy the application on multiple clusters </a:t>
-            </a:r>
-            <a:r>
-              <a:rPr lang="en-US" sz="2000" smtClean="0"/>
-              <a:t>using AWS</a:t>
+              <a:t>Deploy the application on multiple clusters using AWS</a:t>
             </a:r>
             <a:endParaRPr lang="en-US" sz="2000" dirty="0"/>
           </a:p>

--- a/Scala_Final_Project.pptx
+++ b/Scala_Final_Project.pptx
@@ -112,6 +112,11 @@
       </a:defRPr>
     </a:lvl9pPr>
   </p:defaultTextStyle>
+  <p:extLst>
+    <p:ext uri="{EFAFB233-063F-42B5-8137-9DF3F51BA10A}">
+      <p15:sldGuideLst xmlns:p15="http://schemas.microsoft.com/office/powerpoint/2012/main"/>
+    </p:ext>
+  </p:extLst>
 </p:presentation>
 </file>
 
@@ -6057,32 +6062,14 @@
           <a:p>
             <a:r>
               <a:rPr lang="en-US" sz="1800" dirty="0" smtClean="0"/>
-              <a:t>SaravanDeepak</a:t>
-            </a:r>
+              <a:t>SaravanDeepak vadivel</a:t>
+            </a:r>
+          </a:p>
+          <a:p>
             <a:r>
               <a:rPr lang="en-US" sz="1800" dirty="0" smtClean="0"/>
-              <a:t> </a:t>
-            </a:r>
-            <a:r>
-              <a:rPr lang="en-US" sz="1800" dirty="0" smtClean="0"/>
-              <a:t>vadivel</a:t>
-            </a:r>
-            <a:endParaRPr lang="en-US" sz="1800" dirty="0" smtClean="0"/>
-          </a:p>
-          <a:p>
-            <a:r>
-              <a:rPr lang="en-US" sz="1800" dirty="0" smtClean="0"/>
-              <a:t>Nandeep</a:t>
-            </a:r>
-            <a:r>
-              <a:rPr lang="en-US" sz="1800" dirty="0" smtClean="0"/>
-              <a:t> </a:t>
-            </a:r>
-            <a:r>
-              <a:rPr lang="en-US" sz="1800" dirty="0" smtClean="0"/>
-              <a:t>nelagondanahalli</a:t>
-            </a:r>
-            <a:endParaRPr lang="en-US" sz="1800" dirty="0" smtClean="0"/>
+              <a:t>Nandeep nelagondanahalli</a:t>
+            </a:r>
           </a:p>
           <a:p>
             <a:r>
@@ -6642,7 +6629,6 @@
               <a:rPr lang="en-US" sz="2000" dirty="0" smtClean="0"/>
               <a:t>Kaggle.com</a:t>
             </a:r>
-            <a:endParaRPr lang="en-US" sz="2000" dirty="0" smtClean="0"/>
           </a:p>
           <a:p>
             <a:pPr marL="285750" indent="-285750">
@@ -7037,13 +7023,8 @@
             </a:pPr>
             <a:r>
               <a:rPr lang="en-US" sz="2000" dirty="0" smtClean="0"/>
-              <a:t>Monads (Futures, Options, Try etc.) and </a:t>
-            </a:r>
-            <a:r>
-              <a:rPr lang="en-US" sz="2000" dirty="0" smtClean="0"/>
-              <a:t>Implicits</a:t>
-            </a:r>
-            <a:endParaRPr lang="en-US" sz="2000" dirty="0" smtClean="0"/>
+              <a:t>Monads (Futures, Options, Try etc.) and Implicits</a:t>
+            </a:r>
           </a:p>
           <a:p>
             <a:pPr marL="1257300" lvl="2" indent="-342900">
@@ -7081,19 +7062,7 @@
             </a:pPr>
             <a:r>
               <a:rPr lang="en-US" sz="2000" dirty="0" smtClean="0"/>
-              <a:t>ScalaTest</a:t>
-            </a:r>
-            <a:r>
-              <a:rPr lang="en-US" sz="2000" dirty="0" smtClean="0"/>
-              <a:t>/</a:t>
-            </a:r>
-            <a:r>
-              <a:rPr lang="en-US" sz="2000" dirty="0" smtClean="0"/>
-              <a:t>ScalaCheck</a:t>
-            </a:r>
-            <a:r>
-              <a:rPr lang="en-US" sz="2000" dirty="0" smtClean="0"/>
-              <a:t> for unit tests</a:t>
+              <a:t>ScalaTest/ScalaCheck for unit tests</a:t>
             </a:r>
           </a:p>
           <a:p>
@@ -7265,7 +7234,7 @@
         </p:nvSpPr>
         <p:spPr>
           <a:xfrm>
-            <a:off x="646111" y="1392072"/>
+            <a:off x="646111" y="1567918"/>
             <a:ext cx="9404723" cy="2400657"/>
           </a:xfrm>
           <a:prstGeom prst="rect">
@@ -7288,11 +7257,7 @@
             </a:pPr>
             <a:r>
               <a:rPr lang="en-US" sz="2000" dirty="0"/>
-              <a:t>A</a:t>
-            </a:r>
-            <a:r>
-              <a:rPr lang="en-US" sz="2000" dirty="0" smtClean="0"/>
-              <a:t>nalysis and prediction of flight trends, flight prices and travel trends</a:t>
+              <a:t>Create flight trends and compare it with real time data in future</a:t>
             </a:r>
           </a:p>
           <a:p>
@@ -7304,8 +7269,8 @@
               <a:buChar char="•"/>
             </a:pPr>
             <a:r>
-              <a:rPr lang="en-US" sz="2000" dirty="0" smtClean="0"/>
-              <a:t>A web UI which reflects the data and use cases mentioned to the customer</a:t>
+              <a:rPr lang="en-US" sz="2000" dirty="0"/>
+              <a:t>Train the application to create airline trends from a part of historical data and compare it’s creditability with rest of the data</a:t>
             </a:r>
           </a:p>
           <a:p>
@@ -7317,23 +7282,9 @@
               <a:buChar char="•"/>
             </a:pPr>
             <a:r>
-              <a:rPr lang="en-US" sz="2000" dirty="0" smtClean="0"/>
-              <a:t>Well written unit test cases</a:t>
-            </a:r>
-          </a:p>
-          <a:p>
-            <a:pPr marL="285750" indent="-285750">
-              <a:lnSpc>
-                <a:spcPct val="150000"/>
-              </a:lnSpc>
-              <a:buFont typeface="Arial" charset="0"/>
-              <a:buChar char="•"/>
-            </a:pPr>
-            <a:r>
-              <a:rPr lang="en-US" sz="2000" dirty="0" smtClean="0"/>
-              <a:t>Report and presentation</a:t>
-            </a:r>
-            <a:endParaRPr lang="en-US" sz="2000" dirty="0"/>
+              <a:rPr lang="en-US" sz="2000" dirty="0"/>
+              <a:t>Provide real time flight prices and compare it with the other websites which does the same</a:t>
+            </a:r>
           </a:p>
         </p:txBody>
       </p:sp>

--- a/Scala_Final_Project.pptx
+++ b/Scala_Final_Project.pptx
@@ -4,6 +4,9 @@
   <p:sldMasterIdLst>
     <p:sldMasterId id="2147483648" r:id="rId1"/>
   </p:sldMasterIdLst>
+  <p:notesMasterIdLst>
+    <p:notesMasterId r:id="rId11"/>
+  </p:notesMasterIdLst>
   <p:sldIdLst>
     <p:sldId id="256" r:id="rId2"/>
     <p:sldId id="257" r:id="rId3"/>
@@ -120,6 +123,440 @@
 </p:presentation>
 </file>
 
+<file path=ppt/notesMasters/notesMaster1.xml><?xml version="1.0" encoding="utf-8"?>
+<p:notesMaster xmlns:a="http://schemas.openxmlformats.org/drawingml/2006/main" xmlns:r="http://schemas.openxmlformats.org/officeDocument/2006/relationships" xmlns:p="http://schemas.openxmlformats.org/presentationml/2006/main">
+  <p:cSld>
+    <p:bg>
+      <p:bgRef idx="1001">
+        <a:schemeClr val="bg1"/>
+      </p:bgRef>
+    </p:bg>
+    <p:spTree>
+      <p:nvGrpSpPr>
+        <p:cNvPr id="1" name=""/>
+        <p:cNvGrpSpPr/>
+        <p:nvPr/>
+      </p:nvGrpSpPr>
+      <p:grpSpPr>
+        <a:xfrm>
+          <a:off x="0" y="0"/>
+          <a:ext cx="0" cy="0"/>
+          <a:chOff x="0" y="0"/>
+          <a:chExt cx="0" cy="0"/>
+        </a:xfrm>
+      </p:grpSpPr>
+      <p:sp>
+        <p:nvSpPr>
+          <p:cNvPr id="2" name="Header Placeholder 1"/>
+          <p:cNvSpPr>
+            <a:spLocks noGrp="1"/>
+          </p:cNvSpPr>
+          <p:nvPr>
+            <p:ph type="hdr" sz="quarter"/>
+          </p:nvPr>
+        </p:nvSpPr>
+        <p:spPr>
+          <a:xfrm>
+            <a:off x="0" y="0"/>
+            <a:ext cx="2971800" cy="458788"/>
+          </a:xfrm>
+          <a:prstGeom prst="rect">
+            <a:avLst/>
+          </a:prstGeom>
+        </p:spPr>
+        <p:txBody>
+          <a:bodyPr vert="horz" lIns="91440" tIns="45720" rIns="91440" bIns="45720" rtlCol="0"/>
+          <a:lstStyle>
+            <a:lvl1pPr algn="l">
+              <a:defRPr sz="1200"/>
+            </a:lvl1pPr>
+          </a:lstStyle>
+          <a:p>
+            <a:endParaRPr lang="en-US"/>
+          </a:p>
+        </p:txBody>
+      </p:sp>
+      <p:sp>
+        <p:nvSpPr>
+          <p:cNvPr id="3" name="Date Placeholder 2"/>
+          <p:cNvSpPr>
+            <a:spLocks noGrp="1"/>
+          </p:cNvSpPr>
+          <p:nvPr>
+            <p:ph type="dt" idx="1"/>
+          </p:nvPr>
+        </p:nvSpPr>
+        <p:spPr>
+          <a:xfrm>
+            <a:off x="3884613" y="0"/>
+            <a:ext cx="2971800" cy="458788"/>
+          </a:xfrm>
+          <a:prstGeom prst="rect">
+            <a:avLst/>
+          </a:prstGeom>
+        </p:spPr>
+        <p:txBody>
+          <a:bodyPr vert="horz" lIns="91440" tIns="45720" rIns="91440" bIns="45720" rtlCol="0"/>
+          <a:lstStyle>
+            <a:lvl1pPr algn="r">
+              <a:defRPr sz="1200"/>
+            </a:lvl1pPr>
+          </a:lstStyle>
+          <a:p>
+            <a:fld id="{4DFFB10D-37FF-3F40-A817-27253EF33D71}" type="datetimeFigureOut">
+              <a:rPr lang="en-US" smtClean="0"/>
+              <a:t>11/17/17</a:t>
+            </a:fld>
+            <a:endParaRPr lang="en-US"/>
+          </a:p>
+        </p:txBody>
+      </p:sp>
+      <p:sp>
+        <p:nvSpPr>
+          <p:cNvPr id="4" name="Slide Image Placeholder 3"/>
+          <p:cNvSpPr>
+            <a:spLocks noGrp="1" noRot="1" noChangeAspect="1"/>
+          </p:cNvSpPr>
+          <p:nvPr>
+            <p:ph type="sldImg" idx="2"/>
+          </p:nvPr>
+        </p:nvSpPr>
+        <p:spPr>
+          <a:xfrm>
+            <a:off x="685800" y="1143000"/>
+            <a:ext cx="5486400" cy="3086100"/>
+          </a:xfrm>
+          <a:prstGeom prst="rect">
+            <a:avLst/>
+          </a:prstGeom>
+          <a:noFill/>
+          <a:ln w="12700">
+            <a:solidFill>
+              <a:prstClr val="black"/>
+            </a:solidFill>
+          </a:ln>
+        </p:spPr>
+        <p:txBody>
+          <a:bodyPr vert="horz" lIns="91440" tIns="45720" rIns="91440" bIns="45720" rtlCol="0" anchor="ctr"/>
+          <a:lstStyle/>
+          <a:p>
+            <a:endParaRPr lang="en-US"/>
+          </a:p>
+        </p:txBody>
+      </p:sp>
+      <p:sp>
+        <p:nvSpPr>
+          <p:cNvPr id="5" name="Notes Placeholder 4"/>
+          <p:cNvSpPr>
+            <a:spLocks noGrp="1"/>
+          </p:cNvSpPr>
+          <p:nvPr>
+            <p:ph type="body" sz="quarter" idx="3"/>
+          </p:nvPr>
+        </p:nvSpPr>
+        <p:spPr>
+          <a:xfrm>
+            <a:off x="685800" y="4400550"/>
+            <a:ext cx="5486400" cy="3600450"/>
+          </a:xfrm>
+          <a:prstGeom prst="rect">
+            <a:avLst/>
+          </a:prstGeom>
+        </p:spPr>
+        <p:txBody>
+          <a:bodyPr vert="horz" lIns="91440" tIns="45720" rIns="91440" bIns="45720" rtlCol="0"/>
+          <a:lstStyle/>
+          <a:p>
+            <a:pPr lvl="0"/>
+            <a:r>
+              <a:rPr lang="en-US" smtClean="0"/>
+              <a:t>Click to edit Master text styles</a:t>
+            </a:r>
+          </a:p>
+          <a:p>
+            <a:pPr lvl="1"/>
+            <a:r>
+              <a:rPr lang="en-US" smtClean="0"/>
+              <a:t>Second level</a:t>
+            </a:r>
+          </a:p>
+          <a:p>
+            <a:pPr lvl="2"/>
+            <a:r>
+              <a:rPr lang="en-US" smtClean="0"/>
+              <a:t>Third level</a:t>
+            </a:r>
+          </a:p>
+          <a:p>
+            <a:pPr lvl="3"/>
+            <a:r>
+              <a:rPr lang="en-US" smtClean="0"/>
+              <a:t>Fourth level</a:t>
+            </a:r>
+          </a:p>
+          <a:p>
+            <a:pPr lvl="4"/>
+            <a:r>
+              <a:rPr lang="en-US" smtClean="0"/>
+              <a:t>Fifth level</a:t>
+            </a:r>
+            <a:endParaRPr lang="en-US"/>
+          </a:p>
+        </p:txBody>
+      </p:sp>
+      <p:sp>
+        <p:nvSpPr>
+          <p:cNvPr id="6" name="Footer Placeholder 5"/>
+          <p:cNvSpPr>
+            <a:spLocks noGrp="1"/>
+          </p:cNvSpPr>
+          <p:nvPr>
+            <p:ph type="ftr" sz="quarter" idx="4"/>
+          </p:nvPr>
+        </p:nvSpPr>
+        <p:spPr>
+          <a:xfrm>
+            <a:off x="0" y="8685213"/>
+            <a:ext cx="2971800" cy="458787"/>
+          </a:xfrm>
+          <a:prstGeom prst="rect">
+            <a:avLst/>
+          </a:prstGeom>
+        </p:spPr>
+        <p:txBody>
+          <a:bodyPr vert="horz" lIns="91440" tIns="45720" rIns="91440" bIns="45720" rtlCol="0" anchor="b"/>
+          <a:lstStyle>
+            <a:lvl1pPr algn="l">
+              <a:defRPr sz="1200"/>
+            </a:lvl1pPr>
+          </a:lstStyle>
+          <a:p>
+            <a:endParaRPr lang="en-US"/>
+          </a:p>
+        </p:txBody>
+      </p:sp>
+      <p:sp>
+        <p:nvSpPr>
+          <p:cNvPr id="7" name="Slide Number Placeholder 6"/>
+          <p:cNvSpPr>
+            <a:spLocks noGrp="1"/>
+          </p:cNvSpPr>
+          <p:nvPr>
+            <p:ph type="sldNum" sz="quarter" idx="5"/>
+          </p:nvPr>
+        </p:nvSpPr>
+        <p:spPr>
+          <a:xfrm>
+            <a:off x="3884613" y="8685213"/>
+            <a:ext cx="2971800" cy="458787"/>
+          </a:xfrm>
+          <a:prstGeom prst="rect">
+            <a:avLst/>
+          </a:prstGeom>
+        </p:spPr>
+        <p:txBody>
+          <a:bodyPr vert="horz" lIns="91440" tIns="45720" rIns="91440" bIns="45720" rtlCol="0" anchor="b"/>
+          <a:lstStyle>
+            <a:lvl1pPr algn="r">
+              <a:defRPr sz="1200"/>
+            </a:lvl1pPr>
+          </a:lstStyle>
+          <a:p>
+            <a:fld id="{D1EDC360-37FA-F349-BF49-A3DDEDF4D9D5}" type="slidenum">
+              <a:rPr lang="en-US" smtClean="0"/>
+              <a:t>‹#›</a:t>
+            </a:fld>
+            <a:endParaRPr lang="en-US"/>
+          </a:p>
+        </p:txBody>
+      </p:sp>
+    </p:spTree>
+    <p:extLst>
+      <p:ext uri="{BB962C8B-B14F-4D97-AF65-F5344CB8AC3E}">
+        <p14:creationId xmlns:p14="http://schemas.microsoft.com/office/powerpoint/2010/main" val="2106534715"/>
+      </p:ext>
+    </p:extLst>
+  </p:cSld>
+  <p:clrMap bg1="lt1" tx1="dk1" bg2="lt2" tx2="dk2" accent1="accent1" accent2="accent2" accent3="accent3" accent4="accent4" accent5="accent5" accent6="accent6" hlink="hlink" folHlink="folHlink"/>
+  <p:notesStyle>
+    <a:lvl1pPr marL="0" algn="l" defTabSz="914400" rtl="0" eaLnBrk="1" latinLnBrk="0" hangingPunct="1">
+      <a:defRPr sz="1200" kern="1200">
+        <a:solidFill>
+          <a:schemeClr val="tx1"/>
+        </a:solidFill>
+        <a:latin typeface="+mn-lt"/>
+        <a:ea typeface="+mn-ea"/>
+        <a:cs typeface="+mn-cs"/>
+      </a:defRPr>
+    </a:lvl1pPr>
+    <a:lvl2pPr marL="457200" algn="l" defTabSz="914400" rtl="0" eaLnBrk="1" latinLnBrk="0" hangingPunct="1">
+      <a:defRPr sz="1200" kern="1200">
+        <a:solidFill>
+          <a:schemeClr val="tx1"/>
+        </a:solidFill>
+        <a:latin typeface="+mn-lt"/>
+        <a:ea typeface="+mn-ea"/>
+        <a:cs typeface="+mn-cs"/>
+      </a:defRPr>
+    </a:lvl2pPr>
+    <a:lvl3pPr marL="914400" algn="l" defTabSz="914400" rtl="0" eaLnBrk="1" latinLnBrk="0" hangingPunct="1">
+      <a:defRPr sz="1200" kern="1200">
+        <a:solidFill>
+          <a:schemeClr val="tx1"/>
+        </a:solidFill>
+        <a:latin typeface="+mn-lt"/>
+        <a:ea typeface="+mn-ea"/>
+        <a:cs typeface="+mn-cs"/>
+      </a:defRPr>
+    </a:lvl3pPr>
+    <a:lvl4pPr marL="1371600" algn="l" defTabSz="914400" rtl="0" eaLnBrk="1" latinLnBrk="0" hangingPunct="1">
+      <a:defRPr sz="1200" kern="1200">
+        <a:solidFill>
+          <a:schemeClr val="tx1"/>
+        </a:solidFill>
+        <a:latin typeface="+mn-lt"/>
+        <a:ea typeface="+mn-ea"/>
+        <a:cs typeface="+mn-cs"/>
+      </a:defRPr>
+    </a:lvl4pPr>
+    <a:lvl5pPr marL="1828800" algn="l" defTabSz="914400" rtl="0" eaLnBrk="1" latinLnBrk="0" hangingPunct="1">
+      <a:defRPr sz="1200" kern="1200">
+        <a:solidFill>
+          <a:schemeClr val="tx1"/>
+        </a:solidFill>
+        <a:latin typeface="+mn-lt"/>
+        <a:ea typeface="+mn-ea"/>
+        <a:cs typeface="+mn-cs"/>
+      </a:defRPr>
+    </a:lvl5pPr>
+    <a:lvl6pPr marL="2286000" algn="l" defTabSz="914400" rtl="0" eaLnBrk="1" latinLnBrk="0" hangingPunct="1">
+      <a:defRPr sz="1200" kern="1200">
+        <a:solidFill>
+          <a:schemeClr val="tx1"/>
+        </a:solidFill>
+        <a:latin typeface="+mn-lt"/>
+        <a:ea typeface="+mn-ea"/>
+        <a:cs typeface="+mn-cs"/>
+      </a:defRPr>
+    </a:lvl6pPr>
+    <a:lvl7pPr marL="2743200" algn="l" defTabSz="914400" rtl="0" eaLnBrk="1" latinLnBrk="0" hangingPunct="1">
+      <a:defRPr sz="1200" kern="1200">
+        <a:solidFill>
+          <a:schemeClr val="tx1"/>
+        </a:solidFill>
+        <a:latin typeface="+mn-lt"/>
+        <a:ea typeface="+mn-ea"/>
+        <a:cs typeface="+mn-cs"/>
+      </a:defRPr>
+    </a:lvl7pPr>
+    <a:lvl8pPr marL="3200400" algn="l" defTabSz="914400" rtl="0" eaLnBrk="1" latinLnBrk="0" hangingPunct="1">
+      <a:defRPr sz="1200" kern="1200">
+        <a:solidFill>
+          <a:schemeClr val="tx1"/>
+        </a:solidFill>
+        <a:latin typeface="+mn-lt"/>
+        <a:ea typeface="+mn-ea"/>
+        <a:cs typeface="+mn-cs"/>
+      </a:defRPr>
+    </a:lvl8pPr>
+    <a:lvl9pPr marL="3657600" algn="l" defTabSz="914400" rtl="0" eaLnBrk="1" latinLnBrk="0" hangingPunct="1">
+      <a:defRPr sz="1200" kern="1200">
+        <a:solidFill>
+          <a:schemeClr val="tx1"/>
+        </a:solidFill>
+        <a:latin typeface="+mn-lt"/>
+        <a:ea typeface="+mn-ea"/>
+        <a:cs typeface="+mn-cs"/>
+      </a:defRPr>
+    </a:lvl9pPr>
+  </p:notesStyle>
+</p:notesMaster>
+</file>
+
+<file path=ppt/notesSlides/notesSlide1.xml><?xml version="1.0" encoding="utf-8"?>
+<p:notes xmlns:a="http://schemas.openxmlformats.org/drawingml/2006/main" xmlns:r="http://schemas.openxmlformats.org/officeDocument/2006/relationships" xmlns:p="http://schemas.openxmlformats.org/presentationml/2006/main">
+  <p:cSld>
+    <p:spTree>
+      <p:nvGrpSpPr>
+        <p:cNvPr id="1" name=""/>
+        <p:cNvGrpSpPr/>
+        <p:nvPr/>
+      </p:nvGrpSpPr>
+      <p:grpSpPr>
+        <a:xfrm>
+          <a:off x="0" y="0"/>
+          <a:ext cx="0" cy="0"/>
+          <a:chOff x="0" y="0"/>
+          <a:chExt cx="0" cy="0"/>
+        </a:xfrm>
+      </p:grpSpPr>
+      <p:sp>
+        <p:nvSpPr>
+          <p:cNvPr id="2" name="Slide Image Placeholder 1"/>
+          <p:cNvSpPr>
+            <a:spLocks noGrp="1" noRot="1" noChangeAspect="1"/>
+          </p:cNvSpPr>
+          <p:nvPr>
+            <p:ph type="sldImg"/>
+          </p:nvPr>
+        </p:nvSpPr>
+        <p:spPr/>
+      </p:sp>
+      <p:sp>
+        <p:nvSpPr>
+          <p:cNvPr id="3" name="Notes Placeholder 2"/>
+          <p:cNvSpPr>
+            <a:spLocks noGrp="1"/>
+          </p:cNvSpPr>
+          <p:nvPr>
+            <p:ph type="body" idx="1"/>
+          </p:nvPr>
+        </p:nvSpPr>
+        <p:spPr/>
+        <p:txBody>
+          <a:bodyPr/>
+          <a:lstStyle/>
+          <a:p>
+            <a:endParaRPr lang="en-US" dirty="0"/>
+          </a:p>
+        </p:txBody>
+      </p:sp>
+      <p:sp>
+        <p:nvSpPr>
+          <p:cNvPr id="4" name="Slide Number Placeholder 3"/>
+          <p:cNvSpPr>
+            <a:spLocks noGrp="1"/>
+          </p:cNvSpPr>
+          <p:nvPr>
+            <p:ph type="sldNum" sz="quarter" idx="10"/>
+          </p:nvPr>
+        </p:nvSpPr>
+        <p:spPr/>
+        <p:txBody>
+          <a:bodyPr/>
+          <a:lstStyle/>
+          <a:p>
+            <a:fld id="{D1EDC360-37FA-F349-BF49-A3DDEDF4D9D5}" type="slidenum">
+              <a:rPr lang="en-US" smtClean="0"/>
+              <a:t>7</a:t>
+            </a:fld>
+            <a:endParaRPr lang="en-US"/>
+          </a:p>
+        </p:txBody>
+      </p:sp>
+    </p:spTree>
+    <p:extLst>
+      <p:ext uri="{BB962C8B-B14F-4D97-AF65-F5344CB8AC3E}">
+        <p14:creationId xmlns:p14="http://schemas.microsoft.com/office/powerpoint/2010/main" val="1113550563"/>
+      </p:ext>
+    </p:extLst>
+  </p:cSld>
+  <p:clrMapOvr>
+    <a:masterClrMapping/>
+  </p:clrMapOvr>
+</p:notes>
+</file>
+
 <file path=ppt/slideLayouts/slideLayout1.xml><?xml version="1.0" encoding="utf-8"?>
 <p:sldLayout xmlns:a="http://schemas.openxmlformats.org/drawingml/2006/main" xmlns:r="http://schemas.openxmlformats.org/officeDocument/2006/relationships" xmlns:p="http://schemas.openxmlformats.org/presentationml/2006/main" type="title" preserve="1">
   <p:cSld name="Title Slide">
@@ -306,7 +743,7 @@
           <a:p>
             <a:fld id="{4AAD347D-5ACD-4C99-B74B-A9C85AD731AF}" type="datetimeFigureOut">
               <a:rPr lang="en-US"/>
-              <a:t>11/10/17</a:t>
+              <a:t>11/17/17</a:t>
             </a:fld>
             <a:endParaRPr lang="en-US" dirty="0"/>
           </a:p>
@@ -576,7 +1013,7 @@
           <a:p>
             <a:fld id="{4509A250-FF31-4206-8172-F9D3106AACB1}" type="datetimeFigureOut">
               <a:rPr lang="en-US"/>
-              <a:t>11/10/17</a:t>
+              <a:t>11/17/17</a:t>
             </a:fld>
             <a:endParaRPr lang="en-US" dirty="0"/>
           </a:p>
@@ -765,7 +1202,7 @@
           <a:p>
             <a:fld id="{4509A250-FF31-4206-8172-F9D3106AACB1}" type="datetimeFigureOut">
               <a:rPr lang="en-US"/>
-              <a:t>11/10/17</a:t>
+              <a:t>11/17/17</a:t>
             </a:fld>
             <a:endParaRPr lang="en-US" dirty="0"/>
           </a:p>
@@ -1033,7 +1470,7 @@
           <a:p>
             <a:fld id="{4509A250-FF31-4206-8172-F9D3106AACB1}" type="datetimeFigureOut">
               <a:rPr lang="en-US"/>
-              <a:t>11/10/17</a:t>
+              <a:t>11/17/17</a:t>
             </a:fld>
             <a:endParaRPr lang="en-US" dirty="0"/>
           </a:p>
@@ -1369,7 +1806,7 @@
           <a:p>
             <a:fld id="{4509A250-FF31-4206-8172-F9D3106AACB1}" type="datetimeFigureOut">
               <a:rPr lang="en-US"/>
-              <a:t>11/10/17</a:t>
+              <a:t>11/17/17</a:t>
             </a:fld>
             <a:endParaRPr lang="en-US" dirty="0"/>
           </a:p>
@@ -1987,7 +2424,7 @@
           <a:p>
             <a:fld id="{4509A250-FF31-4206-8172-F9D3106AACB1}" type="datetimeFigureOut">
               <a:rPr lang="en-US"/>
-              <a:t>11/10/17</a:t>
+              <a:t>11/17/17</a:t>
             </a:fld>
             <a:endParaRPr lang="en-US" dirty="0"/>
           </a:p>
@@ -2842,7 +3279,7 @@
           <a:p>
             <a:fld id="{4509A250-FF31-4206-8172-F9D3106AACB1}" type="datetimeFigureOut">
               <a:rPr lang="en-US"/>
-              <a:t>11/10/17</a:t>
+              <a:t>11/17/17</a:t>
             </a:fld>
             <a:endParaRPr lang="en-US" dirty="0"/>
           </a:p>
@@ -3007,7 +3444,7 @@
           <a:p>
             <a:fld id="{4509A250-FF31-4206-8172-F9D3106AACB1}" type="datetimeFigureOut">
               <a:rPr lang="en-US"/>
-              <a:t>11/10/17</a:t>
+              <a:t>11/17/17</a:t>
             </a:fld>
             <a:endParaRPr lang="en-US" dirty="0"/>
           </a:p>
@@ -3182,7 +3619,7 @@
           <a:p>
             <a:fld id="{4509A250-FF31-4206-8172-F9D3106AACB1}" type="datetimeFigureOut">
               <a:rPr lang="en-US"/>
-              <a:t>11/10/17</a:t>
+              <a:t>11/17/17</a:t>
             </a:fld>
             <a:endParaRPr lang="en-US" dirty="0"/>
           </a:p>
@@ -3347,7 +3784,7 @@
           <a:p>
             <a:fld id="{4509A250-FF31-4206-8172-F9D3106AACB1}" type="datetimeFigureOut">
               <a:rPr lang="en-US"/>
-              <a:t>11/10/17</a:t>
+              <a:t>11/17/17</a:t>
             </a:fld>
             <a:endParaRPr lang="en-US" dirty="0"/>
           </a:p>
@@ -3589,7 +4026,7 @@
           <a:p>
             <a:fld id="{9796027F-7875-4030-9381-8BD8C4F21935}" type="datetimeFigureOut">
               <a:rPr lang="en-US"/>
-              <a:t>11/10/17</a:t>
+              <a:t>11/17/17</a:t>
             </a:fld>
             <a:endParaRPr lang="en-US" dirty="0"/>
           </a:p>
@@ -3876,7 +4313,7 @@
           <a:p>
             <a:fld id="{9796027F-7875-4030-9381-8BD8C4F21935}" type="datetimeFigureOut">
               <a:rPr lang="en-US"/>
-              <a:t>11/10/17</a:t>
+              <a:t>11/17/17</a:t>
             </a:fld>
             <a:endParaRPr lang="en-US" dirty="0"/>
           </a:p>
@@ -4315,7 +4752,7 @@
           <a:p>
             <a:fld id="{9796027F-7875-4030-9381-8BD8C4F21935}" type="datetimeFigureOut">
               <a:rPr lang="en-US"/>
-              <a:t>11/10/17</a:t>
+              <a:t>11/17/17</a:t>
             </a:fld>
             <a:endParaRPr lang="en-US" dirty="0"/>
           </a:p>
@@ -4428,7 +4865,7 @@
           <a:p>
             <a:fld id="{4509A250-FF31-4206-8172-F9D3106AACB1}" type="datetimeFigureOut">
               <a:rPr lang="en-US"/>
-              <a:t>11/10/17</a:t>
+              <a:t>11/17/17</a:t>
             </a:fld>
             <a:endParaRPr lang="en-US" dirty="0"/>
           </a:p>
@@ -4518,7 +4955,7 @@
           <a:p>
             <a:fld id="{4509A250-FF31-4206-8172-F9D3106AACB1}" type="datetimeFigureOut">
               <a:rPr lang="en-US"/>
-              <a:t>11/10/17</a:t>
+              <a:t>11/17/17</a:t>
             </a:fld>
             <a:endParaRPr lang="en-US" dirty="0"/>
           </a:p>
@@ -4792,7 +5229,7 @@
           <a:p>
             <a:fld id="{4509A250-FF31-4206-8172-F9D3106AACB1}" type="datetimeFigureOut">
               <a:rPr lang="en-US"/>
-              <a:t>11/10/17</a:t>
+              <a:t>11/17/17</a:t>
             </a:fld>
             <a:endParaRPr lang="en-US" dirty="0"/>
           </a:p>
@@ -5062,7 +5499,7 @@
           <a:p>
             <a:fld id="{4509A250-FF31-4206-8172-F9D3106AACB1}" type="datetimeFigureOut">
               <a:rPr lang="en-US"/>
-              <a:t>11/10/17</a:t>
+              <a:t>11/17/17</a:t>
             </a:fld>
             <a:endParaRPr lang="en-US" dirty="0"/>
           </a:p>
@@ -5486,7 +5923,7 @@
           <a:p>
             <a:fld id="{4AAD347D-5ACD-4C99-B74B-A9C85AD731AF}" type="datetimeFigureOut">
               <a:rPr lang="en-US"/>
-              <a:t>11/10/17</a:t>
+              <a:t>11/17/17</a:t>
             </a:fld>
             <a:endParaRPr lang="en-US" dirty="0"/>
           </a:p>
@@ -6050,7 +6487,7 @@
         </p:nvSpPr>
         <p:spPr>
           <a:xfrm>
-            <a:off x="1030264" y="4334035"/>
+            <a:off x="1030264" y="4251974"/>
             <a:ext cx="8825658" cy="1429456"/>
           </a:xfrm>
         </p:spPr>
@@ -6061,9 +6498,25 @@
           <a:lstStyle/>
           <a:p>
             <a:r>
+              <a:rPr lang="en-US" sz="1800" b="1" dirty="0"/>
+              <a:t>Team </a:t>
+            </a:r>
+            <a:r>
+              <a:rPr lang="en-US" sz="1800" b="1" dirty="0" smtClean="0"/>
+              <a:t>13</a:t>
+            </a:r>
+            <a:endParaRPr lang="en-US" sz="1800" dirty="0" smtClean="0"/>
+          </a:p>
+          <a:p>
+            <a:r>
               <a:rPr lang="en-US" sz="1800" dirty="0" smtClean="0"/>
-              <a:t>SaravanDeepak vadivel</a:t>
-            </a:r>
+              <a:t>Saravan </a:t>
+            </a:r>
+            <a:r>
+              <a:rPr lang="en-US" sz="1800" dirty="0" err="1" smtClean="0"/>
+              <a:t>vadivel</a:t>
+            </a:r>
+            <a:endParaRPr lang="en-US" sz="1800" dirty="0" smtClean="0"/>
           </a:p>
           <a:p>
             <a:r>
@@ -6154,7 +6607,7 @@
         <p:spPr>
           <a:xfrm>
             <a:off x="646112" y="1704109"/>
-            <a:ext cx="10617634" cy="3344185"/>
+            <a:ext cx="10617634" cy="3725507"/>
           </a:xfrm>
           <a:prstGeom prst="rect">
             <a:avLst/>
@@ -6175,16 +6628,8 @@
               <a:buChar char="•"/>
             </a:pPr>
             <a:r>
-              <a:rPr lang="en-US" sz="2000" dirty="0" smtClean="0"/>
-              <a:t>Calculate price trends</a:t>
-            </a:r>
-            <a:r>
               <a:rPr lang="en-US" sz="2000" dirty="0"/>
-              <a:t> </a:t>
-            </a:r>
-            <a:r>
-              <a:rPr lang="en-US" sz="2000" dirty="0" smtClean="0"/>
-              <a:t>between various locations</a:t>
+              <a:t>System analyzes data and predicts price trends between various locations and seasonal changes in prices and passenger trends</a:t>
             </a:r>
           </a:p>
           <a:p>
@@ -6196,8 +6641,8 @@
               <a:buChar char="•"/>
             </a:pPr>
             <a:r>
-              <a:rPr lang="en-US" sz="2000" dirty="0" smtClean="0"/>
-              <a:t>Analyze seasonal changes in prices and passenger trends</a:t>
+              <a:rPr lang="en-US" sz="2000" dirty="0"/>
+              <a:t>System recommends economical holiday destinations to customers based on the data</a:t>
             </a:r>
           </a:p>
           <a:p>
@@ -6209,8 +6654,8 @@
               <a:buChar char="•"/>
             </a:pPr>
             <a:r>
-              <a:rPr lang="en-US" sz="2000" dirty="0" smtClean="0"/>
-              <a:t>Recommend economical holiday destinations to customers</a:t>
+              <a:rPr lang="en-US" sz="2000" dirty="0"/>
+              <a:t>Customer enters input query and gets real time prices as well as predictions for price change</a:t>
             </a:r>
           </a:p>
           <a:p>
@@ -6222,32 +6667,14 @@
               <a:buChar char="•"/>
             </a:pPr>
             <a:r>
+              <a:rPr lang="en-US" sz="2000" dirty="0"/>
+              <a:t>Customer inputs query and is provided with the flight status details with respect to delays and cancellations for </a:t>
+            </a:r>
+            <a:r>
               <a:rPr lang="en-US" sz="2000" dirty="0" smtClean="0"/>
-              <a:t>Provide customers with real time prices as well as our predictions for the change</a:t>
-            </a:r>
-          </a:p>
-          <a:p>
-            <a:pPr marL="285750" indent="-285750">
-              <a:lnSpc>
-                <a:spcPct val="150000"/>
-              </a:lnSpc>
-              <a:buFont typeface="Arial" charset="0"/>
-              <a:buChar char="•"/>
-            </a:pPr>
-            <a:r>
-              <a:rPr lang="en-US" sz="2000" dirty="0" smtClean="0"/>
-              <a:t>Also provide the flight status details with respect to delays and cancellations for airlines</a:t>
-            </a:r>
-          </a:p>
-          <a:p>
-            <a:pPr marL="285750" indent="-285750">
-              <a:lnSpc>
-                <a:spcPct val="150000"/>
-              </a:lnSpc>
-              <a:buFont typeface="Arial" charset="0"/>
-              <a:buChar char="•"/>
-            </a:pPr>
-            <a:endParaRPr lang="en-US" sz="2400" dirty="0" smtClean="0"/>
+              <a:t>airlines</a:t>
+            </a:r>
+            <a:endParaRPr lang="en-US" sz="2000" dirty="0"/>
           </a:p>
         </p:txBody>
       </p:sp>
@@ -6514,7 +6941,7 @@
         <p:spPr>
           <a:xfrm>
             <a:off x="646111" y="1555845"/>
-            <a:ext cx="10272099" cy="4985980"/>
+            <a:ext cx="10272099" cy="4247317"/>
           </a:xfrm>
           <a:prstGeom prst="rect">
             <a:avLst/>
@@ -6536,7 +6963,7 @@
             </a:pPr>
             <a:r>
               <a:rPr lang="en-US" sz="2000" dirty="0" smtClean="0"/>
-              <a:t>We will be looking at data sets which contains :</a:t>
+              <a:t>Datasets:</a:t>
             </a:r>
           </a:p>
           <a:p>
@@ -6549,7 +6976,7 @@
             </a:pPr>
             <a:r>
               <a:rPr lang="en-US" sz="2000" dirty="0" smtClean="0"/>
-              <a:t>Historical flight prices from various cities across years</a:t>
+              <a:t>Historical data for the past 2 years which has approximately 50M rows of Itinerary’s of passengers travelling from a source to destination</a:t>
             </a:r>
           </a:p>
           <a:p>
@@ -6562,46 +6989,7 @@
             </a:pPr>
             <a:r>
               <a:rPr lang="en-US" sz="2000" dirty="0" smtClean="0"/>
-              <a:t>Historical changes in prices and flight trends</a:t>
-            </a:r>
-          </a:p>
-          <a:p>
-            <a:pPr marL="1257300" lvl="2" indent="-342900">
-              <a:lnSpc>
-                <a:spcPct val="150000"/>
-              </a:lnSpc>
-              <a:buFont typeface="+mj-lt"/>
-              <a:buAutoNum type="arabicPeriod"/>
-            </a:pPr>
-            <a:r>
-              <a:rPr lang="en-US" sz="2000" dirty="0" smtClean="0"/>
-              <a:t>Passenger travel trends</a:t>
-            </a:r>
-          </a:p>
-          <a:p>
-            <a:pPr marL="1257300" lvl="2" indent="-342900">
-              <a:lnSpc>
-                <a:spcPct val="150000"/>
-              </a:lnSpc>
-              <a:buFont typeface="+mj-lt"/>
-              <a:buAutoNum type="arabicPeriod"/>
-            </a:pPr>
-            <a:r>
-              <a:rPr lang="en-US" sz="2000" dirty="0" smtClean="0"/>
-              <a:t>Delays and cancellations of airlines</a:t>
-            </a:r>
-          </a:p>
-          <a:p>
-            <a:pPr marL="1257300" lvl="2" indent="-342900">
-              <a:lnSpc>
-                <a:spcPct val="150000"/>
-              </a:lnSpc>
-              <a:buFont typeface="+mj-lt"/>
-              <a:buAutoNum type="arabicPeriod"/>
-            </a:pPr>
-            <a:r>
-              <a:rPr lang="en-US" sz="2000" dirty="0" smtClean="0"/>
-              <a:t>Real time web APIs</a:t>
+              <a:t>Web APIs to gather real time prices </a:t>
             </a:r>
           </a:p>
           <a:p>
@@ -6614,54 +7002,66 @@
             </a:pPr>
             <a:r>
               <a:rPr lang="en-US" sz="2000" dirty="0" smtClean="0"/>
-              <a:t>BTS : Bureau of Transportation Statistics</a:t>
-            </a:r>
-          </a:p>
-          <a:p>
-            <a:pPr marL="285750" indent="-285750">
+              <a:t>Sources: </a:t>
+            </a:r>
+          </a:p>
+          <a:p>
+            <a:pPr marL="1371600" lvl="2" indent="-457200">
               <a:lnSpc>
                 <a:spcPct val="150000"/>
               </a:lnSpc>
-              <a:buFont typeface="Arial" charset="0"/>
-              <a:buChar char="•"/>
+              <a:buFont typeface="+mj-lt"/>
+              <a:buAutoNum type="arabicPeriod"/>
             </a:pPr>
             <a:r>
-              <a:rPr lang="en-US" sz="2000" dirty="0" smtClean="0"/>
-              <a:t>Kaggle.com</a:t>
-            </a:r>
-          </a:p>
-          <a:p>
-            <a:pPr marL="285750" indent="-285750">
+              <a:rPr lang="en-US" sz="2000" dirty="0"/>
+              <a:t>BTS : Bureau of Transportation Statistics</a:t>
+            </a:r>
+          </a:p>
+          <a:p>
+            <a:pPr marL="1371600" lvl="2" indent="-457200">
               <a:lnSpc>
                 <a:spcPct val="150000"/>
               </a:lnSpc>
-              <a:buFont typeface="Arial" charset="0"/>
-              <a:buChar char="•"/>
+              <a:buFont typeface="+mj-lt"/>
+              <a:buAutoNum type="arabicPeriod"/>
             </a:pPr>
             <a:r>
-              <a:rPr lang="en-US" sz="2000" dirty="0" smtClean="0"/>
-              <a:t>Amadeus sandbox and public APIs</a:t>
-            </a:r>
-          </a:p>
-          <a:p>
-            <a:pPr marL="285750" indent="-285750">
+              <a:rPr lang="en-US" sz="2000" dirty="0" err="1"/>
+              <a:t>Kaggle.com</a:t>
+            </a:r>
+            <a:endParaRPr lang="en-US" sz="2000" dirty="0"/>
+          </a:p>
+          <a:p>
+            <a:pPr marL="1371600" lvl="2" indent="-457200">
               <a:lnSpc>
                 <a:spcPct val="150000"/>
               </a:lnSpc>
-              <a:buFont typeface="Arial" charset="0"/>
-              <a:buChar char="•"/>
+              <a:buFont typeface="+mj-lt"/>
+              <a:buAutoNum type="arabicPeriod"/>
             </a:pPr>
             <a:r>
+              <a:rPr lang="en-US" sz="2000" dirty="0"/>
+              <a:t>Amadeus sandbox and public APIs</a:t>
+            </a:r>
+          </a:p>
+          <a:p>
+            <a:pPr marL="1371600" lvl="2" indent="-457200">
+              <a:lnSpc>
+                <a:spcPct val="150000"/>
+              </a:lnSpc>
+              <a:buFont typeface="+mj-lt"/>
+              <a:buAutoNum type="arabicPeriod"/>
+            </a:pPr>
+            <a:r>
+              <a:rPr lang="en-US" sz="2000" dirty="0"/>
+              <a:t>Google flight APIs ( QPX Express API</a:t>
+            </a:r>
+            <a:r>
               <a:rPr lang="en-US" sz="2000" dirty="0" smtClean="0"/>
-              <a:t>Google flight APIs ( QPX Express API)</a:t>
-            </a:r>
-          </a:p>
-          <a:p>
-            <a:pPr marL="285750" indent="-285750">
-              <a:buFont typeface="Arial" charset="0"/>
-              <a:buChar char="•"/>
-            </a:pPr>
-            <a:endParaRPr lang="en-US" dirty="0"/>
+              <a:t>)</a:t>
+            </a:r>
+            <a:endParaRPr lang="en-US" sz="2000" dirty="0"/>
           </a:p>
         </p:txBody>
       </p:sp>
@@ -6930,7 +7330,7 @@
         <p:spPr>
           <a:xfrm>
             <a:off x="646110" y="750969"/>
-            <a:ext cx="9289459" cy="6370975"/>
+            <a:ext cx="9289459" cy="5678478"/>
           </a:xfrm>
           <a:prstGeom prst="rect">
             <a:avLst/>
@@ -7002,9 +7402,9 @@
           </a:p>
           <a:p>
             <a:pPr marL="1257300" lvl="2" indent="-342900">
-              <a:lnSpc>
-                <a:spcPct val="150000"/>
-              </a:lnSpc>
+              <a:spcAft>
+                <a:spcPts val="600"/>
+              </a:spcAft>
               <a:buFont typeface="+mj-lt"/>
               <a:buAutoNum type="arabicPeriod"/>
             </a:pPr>
@@ -7015,9 +7415,9 @@
           </a:p>
           <a:p>
             <a:pPr marL="1257300" lvl="2" indent="-342900">
-              <a:lnSpc>
-                <a:spcPct val="150000"/>
-              </a:lnSpc>
+              <a:spcAft>
+                <a:spcPts val="600"/>
+              </a:spcAft>
               <a:buFont typeface="+mj-lt"/>
               <a:buAutoNum type="arabicPeriod"/>
             </a:pPr>
@@ -7028,9 +7428,9 @@
           </a:p>
           <a:p>
             <a:pPr marL="1257300" lvl="2" indent="-342900">
-              <a:lnSpc>
-                <a:spcPct val="150000"/>
-              </a:lnSpc>
+              <a:spcAft>
+                <a:spcPts val="600"/>
+              </a:spcAft>
               <a:buFont typeface="+mj-lt"/>
               <a:buAutoNum type="arabicPeriod"/>
             </a:pPr>
@@ -7041,9 +7441,9 @@
           </a:p>
           <a:p>
             <a:pPr marL="1257300" lvl="2" indent="-342900">
-              <a:lnSpc>
-                <a:spcPct val="150000"/>
-              </a:lnSpc>
+              <a:spcAft>
+                <a:spcPts val="600"/>
+              </a:spcAft>
               <a:buFont typeface="+mj-lt"/>
               <a:buAutoNum type="arabicPeriod"/>
             </a:pPr>
@@ -7054,9 +7454,9 @@
           </a:p>
           <a:p>
             <a:pPr marL="1257300" lvl="2" indent="-342900">
-              <a:lnSpc>
-                <a:spcPct val="150000"/>
-              </a:lnSpc>
+              <a:spcAft>
+                <a:spcPts val="600"/>
+              </a:spcAft>
               <a:buFont typeface="+mj-lt"/>
               <a:buAutoNum type="arabicPeriod"/>
             </a:pPr>
@@ -7085,28 +7485,36 @@
           </a:p>
           <a:p>
             <a:pPr marL="1257300" lvl="2" indent="-342900">
-              <a:lnSpc>
-                <a:spcPct val="150000"/>
-              </a:lnSpc>
+              <a:spcAft>
+                <a:spcPts val="600"/>
+              </a:spcAft>
               <a:buFont typeface="+mj-lt"/>
               <a:buAutoNum type="arabicPeriod"/>
             </a:pPr>
             <a:r>
               <a:rPr lang="en-US" sz="2000" dirty="0" smtClean="0"/>
-              <a:t>Map Reduce</a:t>
+              <a:t>Map Reduce </a:t>
             </a:r>
           </a:p>
           <a:p>
             <a:pPr marL="1257300" lvl="2" indent="-342900">
-              <a:lnSpc>
-                <a:spcPct val="150000"/>
-              </a:lnSpc>
+              <a:spcAft>
+                <a:spcPts val="600"/>
+              </a:spcAft>
               <a:buFont typeface="+mj-lt"/>
               <a:buAutoNum type="arabicPeriod"/>
             </a:pPr>
             <a:r>
               <a:rPr lang="en-US" sz="2000" dirty="0" smtClean="0"/>
-              <a:t>Feature extraction and transformation (RDD)</a:t>
+              <a:t>Feature extraction and transformation (RDDs and </a:t>
+            </a:r>
+            <a:r>
+              <a:rPr lang="en-US" sz="2000" dirty="0" err="1" smtClean="0"/>
+              <a:t>DataFrames</a:t>
+            </a:r>
+            <a:r>
+              <a:rPr lang="en-US" sz="2000" dirty="0" smtClean="0"/>
+              <a:t>)</a:t>
             </a:r>
           </a:p>
           <a:p>
@@ -7128,9 +7536,9 @@
           </a:p>
           <a:p>
             <a:pPr marL="1257300" lvl="2" indent="-342900">
-              <a:lnSpc>
-                <a:spcPct val="150000"/>
-              </a:lnSpc>
+              <a:spcBef>
+                <a:spcPts val="600"/>
+              </a:spcBef>
               <a:buFont typeface="+mj-lt"/>
               <a:buAutoNum type="arabicPeriod"/>
             </a:pPr>
@@ -7141,9 +7549,9 @@
           </a:p>
           <a:p>
             <a:pPr marL="1257300" lvl="2" indent="-342900">
-              <a:lnSpc>
-                <a:spcPct val="150000"/>
-              </a:lnSpc>
+              <a:spcBef>
+                <a:spcPts val="600"/>
+              </a:spcBef>
               <a:buFont typeface="+mj-lt"/>
               <a:buAutoNum type="arabicPeriod"/>
             </a:pPr>
@@ -7210,7 +7618,7 @@
         </p:nvSpPr>
         <p:spPr>
           <a:xfrm>
-            <a:off x="646111" y="452718"/>
+            <a:off x="646111" y="382379"/>
             <a:ext cx="9404723" cy="843819"/>
           </a:xfrm>
         </p:spPr>
@@ -7228,14 +7636,14 @@
       </p:sp>
       <p:sp>
         <p:nvSpPr>
-          <p:cNvPr id="3" name="TextBox 2"/>
+          <p:cNvPr id="4" name="TextBox 3"/>
           <p:cNvSpPr txBox="1"/>
           <p:nvPr/>
         </p:nvSpPr>
         <p:spPr>
           <a:xfrm>
-            <a:off x="646111" y="1567918"/>
-            <a:ext cx="9404723" cy="2400657"/>
+            <a:off x="646110" y="2368062"/>
+            <a:ext cx="9404723" cy="1754326"/>
           </a:xfrm>
           <a:prstGeom prst="rect">
             <a:avLst/>
@@ -7249,42 +7657,31 @@
           <a:lstStyle/>
           <a:p>
             <a:pPr marL="285750" indent="-285750">
-              <a:lnSpc>
-                <a:spcPct val="150000"/>
-              </a:lnSpc>
               <a:buFont typeface="Arial" charset="0"/>
               <a:buChar char="•"/>
             </a:pPr>
             <a:r>
-              <a:rPr lang="en-US" sz="2000" dirty="0"/>
-              <a:t>Create flight trends and compare it with real time data in future</a:t>
+              <a:rPr lang="en-US" dirty="0" smtClean="0"/>
+              <a:t>60% accuracy of our prediction for most economical airline and destinations for a quarter when compared to actual data.</a:t>
             </a:r>
           </a:p>
           <a:p>
             <a:pPr marL="285750" indent="-285750">
-              <a:lnSpc>
-                <a:spcPct val="150000"/>
-              </a:lnSpc>
               <a:buFont typeface="Arial" charset="0"/>
               <a:buChar char="•"/>
             </a:pPr>
-            <a:r>
-              <a:rPr lang="en-US" sz="2000" dirty="0"/>
-              <a:t>Train the application to create airline trends from a part of historical data and compare it’s creditability with rest of the data</a:t>
-            </a:r>
+            <a:endParaRPr lang="en-US" dirty="0" smtClean="0"/>
           </a:p>
           <a:p>
             <a:pPr marL="285750" indent="-285750">
-              <a:lnSpc>
-                <a:spcPct val="150000"/>
-              </a:lnSpc>
               <a:buFont typeface="Arial" charset="0"/>
               <a:buChar char="•"/>
             </a:pPr>
             <a:r>
-              <a:rPr lang="en-US" sz="2000" dirty="0"/>
-              <a:t>Provide real time flight prices and compare it with the other websites which does the same</a:t>
-            </a:r>
+              <a:rPr lang="en-US" dirty="0" smtClean="0"/>
+              <a:t>80 % accuracy for our recommendation of the cheapest flight prices based on source, destination and dates by gathering and comparing real time data from various available web APIs.</a:t>
+            </a:r>
+            <a:endParaRPr lang="en-US" dirty="0"/>
           </a:p>
         </p:txBody>
       </p:sp>
@@ -7820,4 +8217,265 @@
     </a:ext>
   </a:extLst>
 </a:theme>
+</file>
+
+<file path=ppt/theme/theme2.xml><?xml version="1.0" encoding="utf-8"?>
+<a:theme xmlns:a="http://schemas.openxmlformats.org/drawingml/2006/main" name="Office Theme">
+  <a:themeElements>
+    <a:clrScheme name="Office">
+      <a:dk1>
+        <a:sysClr val="windowText" lastClr="000000"/>
+      </a:dk1>
+      <a:lt1>
+        <a:sysClr val="window" lastClr="FFFFFF"/>
+      </a:lt1>
+      <a:dk2>
+        <a:srgbClr val="44546A"/>
+      </a:dk2>
+      <a:lt2>
+        <a:srgbClr val="E7E6E6"/>
+      </a:lt2>
+      <a:accent1>
+        <a:srgbClr val="4472C4"/>
+      </a:accent1>
+      <a:accent2>
+        <a:srgbClr val="ED7D31"/>
+      </a:accent2>
+      <a:accent3>
+        <a:srgbClr val="A5A5A5"/>
+      </a:accent3>
+      <a:accent4>
+        <a:srgbClr val="FFC000"/>
+      </a:accent4>
+      <a:accent5>
+        <a:srgbClr val="5B9BD5"/>
+      </a:accent5>
+      <a:accent6>
+        <a:srgbClr val="70AD47"/>
+      </a:accent6>
+      <a:hlink>
+        <a:srgbClr val="0563C1"/>
+      </a:hlink>
+      <a:folHlink>
+        <a:srgbClr val="954F72"/>
+      </a:folHlink>
+    </a:clrScheme>
+    <a:fontScheme name="Office">
+      <a:majorFont>
+        <a:latin typeface="Calibri Light" panose="020F0302020204030204"/>
+        <a:ea typeface=""/>
+        <a:cs typeface=""/>
+        <a:font script="Jpan" typeface="Yu Gothic Light"/>
+        <a:font script="Hang" typeface="맑은 고딕"/>
+        <a:font script="Hans" typeface="DengXian Light"/>
+        <a:font script="Hant" typeface="新細明體"/>
+        <a:font script="Arab" typeface="Times New Roman"/>
+        <a:font script="Hebr" typeface="Times New Roman"/>
+        <a:font script="Thai" typeface="Angsana New"/>
+        <a:font script="Ethi" typeface="Nyala"/>
+        <a:font script="Beng" typeface="Vrinda"/>
+        <a:font script="Gujr" typeface="Shruti"/>
+        <a:font script="Khmr" typeface="MoolBoran"/>
+        <a:font script="Knda" typeface="Tunga"/>
+        <a:font script="Guru" typeface="Raavi"/>
+        <a:font script="Cans" typeface="Euphemia"/>
+        <a:font script="Cher" typeface="Plantagenet Cherokee"/>
+        <a:font script="Yiii" typeface="Microsoft Yi Baiti"/>
+        <a:font script="Tibt" typeface="Microsoft Himalaya"/>
+        <a:font script="Thaa" typeface="MV Boli"/>
+        <a:font script="Deva" typeface="Mangal"/>
+        <a:font script="Telu" typeface="Gautami"/>
+        <a:font script="Taml" typeface="Latha"/>
+        <a:font script="Syrc" typeface="Estrangelo Edessa"/>
+        <a:font script="Orya" typeface="Kalinga"/>
+        <a:font script="Mlym" typeface="Kartika"/>
+        <a:font script="Laoo" typeface="DokChampa"/>
+        <a:font script="Sinh" typeface="Iskoola Pota"/>
+        <a:font script="Mong" typeface="Mongolian Baiti"/>
+        <a:font script="Viet" typeface="Times New Roman"/>
+        <a:font script="Uigh" typeface="Microsoft Uighur"/>
+        <a:font script="Geor" typeface="Sylfaen"/>
+      </a:majorFont>
+      <a:minorFont>
+        <a:latin typeface="Calibri" panose="020F0502020204030204"/>
+        <a:ea typeface=""/>
+        <a:cs typeface=""/>
+        <a:font script="Jpan" typeface="Yu Gothic"/>
+        <a:font script="Hang" typeface="맑은 고딕"/>
+        <a:font script="Hans" typeface="DengXian"/>
+        <a:font script="Hant" typeface="新細明體"/>
+        <a:font script="Arab" typeface="Arial"/>
+        <a:font script="Hebr" typeface="Arial"/>
+        <a:font script="Thai" typeface="Cordia New"/>
+        <a:font script="Ethi" typeface="Nyala"/>
+        <a:font script="Beng" typeface="Vrinda"/>
+        <a:font script="Gujr" typeface="Shruti"/>
+        <a:font script="Khmr" typeface="DaunPenh"/>
+        <a:font script="Knda" typeface="Tunga"/>
+        <a:font script="Guru" typeface="Raavi"/>
+        <a:font script="Cans" typeface="Euphemia"/>
+        <a:font script="Cher" typeface="Plantagenet Cherokee"/>
+        <a:font script="Yiii" typeface="Microsoft Yi Baiti"/>
+        <a:font script="Tibt" typeface="Microsoft Himalaya"/>
+        <a:font script="Thaa" typeface="MV Boli"/>
+        <a:font script="Deva" typeface="Mangal"/>
+        <a:font script="Telu" typeface="Gautami"/>
+        <a:font script="Taml" typeface="Latha"/>
+        <a:font script="Syrc" typeface="Estrangelo Edessa"/>
+        <a:font script="Orya" typeface="Kalinga"/>
+        <a:font script="Mlym" typeface="Kartika"/>
+        <a:font script="Laoo" typeface="DokChampa"/>
+        <a:font script="Sinh" typeface="Iskoola Pota"/>
+        <a:font script="Mong" typeface="Mongolian Baiti"/>
+        <a:font script="Viet" typeface="Arial"/>
+        <a:font script="Uigh" typeface="Microsoft Uighur"/>
+        <a:font script="Geor" typeface="Sylfaen"/>
+      </a:minorFont>
+    </a:fontScheme>
+    <a:fmtScheme name="Office">
+      <a:fillStyleLst>
+        <a:solidFill>
+          <a:schemeClr val="phClr"/>
+        </a:solidFill>
+        <a:gradFill rotWithShape="1">
+          <a:gsLst>
+            <a:gs pos="0">
+              <a:schemeClr val="phClr">
+                <a:lumMod val="110000"/>
+                <a:satMod val="105000"/>
+                <a:tint val="67000"/>
+              </a:schemeClr>
+            </a:gs>
+            <a:gs pos="50000">
+              <a:schemeClr val="phClr">
+                <a:lumMod val="105000"/>
+                <a:satMod val="103000"/>
+                <a:tint val="73000"/>
+              </a:schemeClr>
+            </a:gs>
+            <a:gs pos="100000">
+              <a:schemeClr val="phClr">
+                <a:lumMod val="105000"/>
+                <a:satMod val="109000"/>
+                <a:tint val="81000"/>
+              </a:schemeClr>
+            </a:gs>
+          </a:gsLst>
+          <a:lin ang="5400000" scaled="0"/>
+        </a:gradFill>
+        <a:gradFill rotWithShape="1">
+          <a:gsLst>
+            <a:gs pos="0">
+              <a:schemeClr val="phClr">
+                <a:satMod val="103000"/>
+                <a:lumMod val="102000"/>
+                <a:tint val="94000"/>
+              </a:schemeClr>
+            </a:gs>
+            <a:gs pos="50000">
+              <a:schemeClr val="phClr">
+                <a:satMod val="110000"/>
+                <a:lumMod val="100000"/>
+                <a:shade val="100000"/>
+              </a:schemeClr>
+            </a:gs>
+            <a:gs pos="100000">
+              <a:schemeClr val="phClr">
+                <a:lumMod val="99000"/>
+                <a:satMod val="120000"/>
+                <a:shade val="78000"/>
+              </a:schemeClr>
+            </a:gs>
+          </a:gsLst>
+          <a:lin ang="5400000" scaled="0"/>
+        </a:gradFill>
+      </a:fillStyleLst>
+      <a:lnStyleLst>
+        <a:ln w="6350" cap="flat" cmpd="sng" algn="ctr">
+          <a:solidFill>
+            <a:schemeClr val="phClr"/>
+          </a:solidFill>
+          <a:prstDash val="solid"/>
+          <a:miter lim="800000"/>
+        </a:ln>
+        <a:ln w="12700" cap="flat" cmpd="sng" algn="ctr">
+          <a:solidFill>
+            <a:schemeClr val="phClr"/>
+          </a:solidFill>
+          <a:prstDash val="solid"/>
+          <a:miter lim="800000"/>
+        </a:ln>
+        <a:ln w="19050" cap="flat" cmpd="sng" algn="ctr">
+          <a:solidFill>
+            <a:schemeClr val="phClr"/>
+          </a:solidFill>
+          <a:prstDash val="solid"/>
+          <a:miter lim="800000"/>
+        </a:ln>
+      </a:lnStyleLst>
+      <a:effectStyleLst>
+        <a:effectStyle>
+          <a:effectLst/>
+        </a:effectStyle>
+        <a:effectStyle>
+          <a:effectLst/>
+        </a:effectStyle>
+        <a:effectStyle>
+          <a:effectLst>
+            <a:outerShdw blurRad="57150" dist="19050" dir="5400000" algn="ctr" rotWithShape="0">
+              <a:srgbClr val="000000">
+                <a:alpha val="63000"/>
+              </a:srgbClr>
+            </a:outerShdw>
+          </a:effectLst>
+        </a:effectStyle>
+      </a:effectStyleLst>
+      <a:bgFillStyleLst>
+        <a:solidFill>
+          <a:schemeClr val="phClr"/>
+        </a:solidFill>
+        <a:solidFill>
+          <a:schemeClr val="phClr">
+            <a:tint val="95000"/>
+            <a:satMod val="170000"/>
+          </a:schemeClr>
+        </a:solidFill>
+        <a:gradFill rotWithShape="1">
+          <a:gsLst>
+            <a:gs pos="0">
+              <a:schemeClr val="phClr">
+                <a:tint val="93000"/>
+                <a:satMod val="150000"/>
+                <a:shade val="98000"/>
+                <a:lumMod val="102000"/>
+              </a:schemeClr>
+            </a:gs>
+            <a:gs pos="50000">
+              <a:schemeClr val="phClr">
+                <a:tint val="98000"/>
+                <a:satMod val="130000"/>
+                <a:shade val="90000"/>
+                <a:lumMod val="103000"/>
+              </a:schemeClr>
+            </a:gs>
+            <a:gs pos="100000">
+              <a:schemeClr val="phClr">
+                <a:shade val="63000"/>
+                <a:satMod val="120000"/>
+              </a:schemeClr>
+            </a:gs>
+          </a:gsLst>
+          <a:lin ang="5400000" scaled="0"/>
+        </a:gradFill>
+      </a:bgFillStyleLst>
+    </a:fmtScheme>
+  </a:themeElements>
+  <a:objectDefaults/>
+  <a:extraClrSchemeLst/>
+  <a:extLst>
+    <a:ext uri="{05A4C25C-085E-4340-85A3-A5531E510DB2}">
+      <thm15:themeFamily xmlns:thm15="http://schemas.microsoft.com/office/thememl/2012/main" name="Office Theme" id="{62F939B6-93AF-4DB8-9C6B-D6C7DFDC589F}" vid="{4A3C46E8-61CC-4603-A589-7422A47A8E4A}"/>
+    </a:ext>
+  </a:extLst>
+</a:theme>
 </file>